--- a/H5前端介绍.pptx
+++ b/H5前端介绍.pptx
@@ -10,9 +10,6 @@
     <p:sldId id="259" r:id="rId5"/>
     <p:sldId id="260" r:id="rId6"/>
     <p:sldId id="261" r:id="rId7"/>
-    <p:sldId id="262" r:id="rId8"/>
-    <p:sldId id="263" r:id="rId9"/>
-    <p:sldId id="264" r:id="rId10"/>
   </p:sldIdLst>
   <p:sldSz cx="12192000" cy="6858000"/>
   <p:notesSz cx="6858000" cy="9144000"/>
@@ -2967,11 +2964,13 @@
         <p:spPr>
           <a:xfrm>
             <a:off x="2743835" y="2440305"/>
-            <a:ext cx="7685405" cy="1655445"/>
+            <a:ext cx="7685405" cy="1383030"/>
           </a:xfrm>
         </p:spPr>
         <p:txBody>
-          <a:bodyPr/>
+          <a:bodyPr>
+            <a:normAutofit lnSpcReduction="20000"/>
+          </a:bodyPr>
           <a:p>
             <a:pPr algn="l"/>
             <a:r>
@@ -3014,7 +3013,7 @@
               <a:rPr lang="zh-CN" altLang="en-US"/>
               <a:t>、解决方案</a:t>
             </a:r>
-            <a:endParaRPr lang="zh-CN" altLang="en-US"/>
+            <a:endParaRPr lang="en-US" altLang="zh-CN"/>
           </a:p>
         </p:txBody>
       </p:sp>
@@ -3122,11 +3121,7 @@
             </a:r>
             <a:r>
               <a:rPr lang="zh-CN" altLang="en-US"/>
-              <a:t>、</a:t>
-            </a:r>
-            <a:r>
-              <a:rPr lang="zh-CN" altLang="en-US"/>
-              <a:t>存后端语言编写，只需要一次网络连接就可以把模板和数据整合之后的</a:t>
+              <a:t>、存后端语言编写，只需要一次网络连接就可以把模板和数据整合之后的</a:t>
             </a:r>
             <a:r>
               <a:rPr lang="en-US" altLang="zh-CN"/>
@@ -3136,7 +3131,11 @@
               <a:rPr lang="zh-CN" altLang="en-US"/>
               <a:t>抓取过来，速度快</a:t>
             </a:r>
-            <a:endParaRPr lang="zh-CN" altLang="en-US"/>
+            <a:r>
+              <a:rPr lang="en-US" altLang="zh-CN"/>
+              <a:t>*</a:t>
+            </a:r>
+            <a:endParaRPr lang="en-US" altLang="zh-CN"/>
           </a:p>
           <a:p>
             <a:pPr algn="l"/>
@@ -3210,55 +3209,7 @@
               <a:rPr lang="zh-CN" altLang="en-US">
                 <a:sym typeface="+mn-ea"/>
               </a:rPr>
-              <a:t>、耦合性强，前端与后端无法分离，</a:t>
-            </a:r>
-            <a:endParaRPr lang="zh-CN" altLang="en-US">
-              <a:sym typeface="+mn-ea"/>
-            </a:endParaRPr>
-          </a:p>
-          <a:p>
-            <a:pPr algn="l"/>
-            <a:r>
-              <a:rPr lang="en-US" altLang="zh-CN">
-                <a:sym typeface="+mn-ea"/>
-              </a:rPr>
-              <a:t>		</a:t>
-            </a:r>
-            <a:r>
-              <a:rPr lang="zh-CN" altLang="en-US">
-                <a:sym typeface="+mn-ea"/>
-              </a:rPr>
-              <a:t>各种前端工具无法使用，</a:t>
-            </a:r>
-            <a:endParaRPr lang="zh-CN" altLang="en-US">
-              <a:sym typeface="+mn-ea"/>
-            </a:endParaRPr>
-          </a:p>
-          <a:p>
-            <a:pPr algn="l"/>
-            <a:r>
-              <a:rPr lang="en-US" altLang="zh-CN">
-                <a:sym typeface="+mn-ea"/>
-              </a:rPr>
-              <a:t>		</a:t>
-            </a:r>
-            <a:r>
-              <a:rPr lang="zh-CN" altLang="en-US">
-                <a:sym typeface="+mn-ea"/>
-              </a:rPr>
-              <a:t>无法做单页程序</a:t>
-            </a:r>
-            <a:endParaRPr lang="zh-CN" altLang="en-US">
-              <a:sym typeface="+mn-ea"/>
-            </a:endParaRPr>
-          </a:p>
-          <a:p>
-            <a:pPr algn="l"/>
-            <a:r>
-              <a:rPr lang="en-US" altLang="zh-CN">
-                <a:sym typeface="+mn-ea"/>
-              </a:rPr>
-              <a:t>	      ............</a:t>
+              <a:t>、耦合性强，前端与后端无法分离</a:t>
             </a:r>
             <a:endParaRPr lang="en-US" altLang="zh-CN">
               <a:sym typeface="+mn-ea"/>
@@ -3364,7 +3315,7 @@
               <a:rPr lang="zh-CN" altLang="en-US"/>
               <a:t>前端模板</a:t>
             </a:r>
-            <a:endParaRPr lang="zh-CN" altLang="en-US"/>
+            <a:endParaRPr lang="en-US" altLang="zh-CN"/>
           </a:p>
           <a:p>
             <a:pPr algn="l"/>
@@ -3374,13 +3325,17 @@
             </a:r>
             <a:r>
               <a:rPr lang="zh-CN" altLang="en-US"/>
-              <a:t>好处：</a:t>
-            </a:r>
-            <a:endParaRPr lang="zh-CN" altLang="en-US"/>
+              <a:t>好处：既可以用后端模板，也可以用前端模板，灵活选择</a:t>
+            </a:r>
+            <a:endParaRPr lang="en-US" altLang="zh-CN"/>
           </a:p>
           <a:p>
             <a:pPr algn="l"/>
-            <a:endParaRPr lang="zh-CN" altLang="en-US"/>
+            <a:r>
+              <a:rPr lang="en-US" altLang="zh-CN"/>
+              <a:t>	</a:t>
+            </a:r>
+            <a:endParaRPr lang="en-US" altLang="zh-CN"/>
           </a:p>
           <a:p>
             <a:pPr algn="l"/>
@@ -3390,7 +3345,21 @@
             </a:r>
             <a:r>
               <a:rPr lang="zh-CN" altLang="en-US"/>
-              <a:t>问题：</a:t>
+              <a:t>问题：如果有些用</a:t>
+            </a:r>
+            <a:r>
+              <a:rPr lang="en-US" altLang="zh-CN"/>
+              <a:t>jsp</a:t>
+            </a:r>
+            <a:r>
+              <a:rPr lang="zh-CN" altLang="en-US"/>
+              <a:t>有些用前端模板，</a:t>
+            </a:r>
+            <a:r>
+              <a:rPr lang="zh-CN" altLang="en-US">
+                <a:sym typeface="+mn-ea"/>
+              </a:rPr>
+              <a:t>分离不彻底，混乱且不好维护。</a:t>
             </a:r>
             <a:endParaRPr lang="zh-CN" altLang="en-US"/>
           </a:p>
@@ -3486,6 +3455,14 @@
               <a:rPr lang="zh-CN" altLang="en-US"/>
               <a:t>单页</a:t>
             </a:r>
+            <a:r>
+              <a:rPr lang="en-US" altLang="zh-CN"/>
+              <a:t>+</a:t>
+            </a:r>
+            <a:r>
+              <a:rPr lang="zh-CN" altLang="en-US"/>
+              <a:t>前端构建</a:t>
+            </a:r>
             <a:endParaRPr lang="zh-CN" altLang="en-US"/>
           </a:p>
           <a:p>
@@ -3496,8 +3473,54 @@
             </a:r>
             <a:r>
               <a:rPr lang="zh-CN" altLang="en-US"/>
-              <a:t>好处：</a:t>
-            </a:r>
+              <a:t>方法：只有一个</a:t>
+            </a:r>
+            <a:r>
+              <a:rPr lang="zh-CN" altLang="en-US">
+                <a:sym typeface="+mn-ea"/>
+              </a:rPr>
+              <a:t>后端</a:t>
+            </a:r>
+            <a:r>
+              <a:rPr lang="zh-CN" altLang="en-US"/>
+              <a:t>页面作为前端</a:t>
+            </a:r>
+            <a:r>
+              <a:rPr lang="zh-CN"/>
+              <a:t>模板的</a:t>
+            </a:r>
+            <a:r>
+              <a:rPr lang="zh-CN" altLang="en-US"/>
+              <a:t>寄宿</a:t>
+            </a:r>
+            <a:endParaRPr lang="zh-CN" altLang="en-US"/>
+          </a:p>
+          <a:p>
+            <a:pPr algn="l"/>
+            <a:r>
+              <a:rPr lang="zh-CN" altLang="en-US"/>
+              <a:t>                    前端通过路由来模拟不同的页面</a:t>
+            </a:r>
+            <a:endParaRPr lang="zh-CN" altLang="en-US"/>
+          </a:p>
+          <a:p>
+            <a:pPr algn="l"/>
+            <a:r>
+              <a:rPr lang="zh-CN" altLang="en-US"/>
+              <a:t>                    所有页面的模板都编译为</a:t>
+            </a:r>
+            <a:r>
+              <a:rPr lang="en-US" altLang="zh-CN"/>
+              <a:t>js</a:t>
+            </a:r>
+            <a:r>
+              <a:rPr lang="zh-CN" altLang="en-US"/>
+              <a:t>文件，引入寄宿页面</a:t>
+            </a:r>
+            <a:endParaRPr lang="zh-CN" altLang="en-US"/>
+          </a:p>
+          <a:p>
+            <a:pPr algn="l"/>
             <a:endParaRPr lang="zh-CN" altLang="en-US"/>
           </a:p>
           <a:p>
@@ -3508,7 +3531,31 @@
             </a:r>
             <a:r>
               <a:rPr lang="zh-CN" altLang="en-US"/>
-              <a:t>问题：</a:t>
+              <a:t>好处：首次将所有模板和样式都下载到本地，以后只需拉取数据渲染，提高了页</a:t>
+            </a:r>
+            <a:r>
+              <a:rPr lang="en-US" altLang="zh-CN"/>
+              <a:t>	       </a:t>
+            </a:r>
+            <a:r>
+              <a:rPr lang="zh-CN" altLang="en-US"/>
+              <a:t>面响应速度。优化用户体验。</a:t>
+            </a:r>
+            <a:endParaRPr lang="zh-CN" altLang="en-US"/>
+          </a:p>
+          <a:p>
+            <a:pPr algn="l"/>
+            <a:endParaRPr lang="zh-CN" altLang="en-US"/>
+          </a:p>
+          <a:p>
+            <a:pPr algn="l"/>
+            <a:r>
+              <a:rPr lang="en-US" altLang="zh-CN"/>
+              <a:t>       </a:t>
+            </a:r>
+            <a:r>
+              <a:rPr lang="zh-CN" altLang="en-US"/>
+              <a:t>问题：现阶段页面生命周期，状态保持，加载速度还有待改进。</a:t>
             </a:r>
             <a:endParaRPr lang="zh-CN" altLang="en-US"/>
           </a:p>
@@ -3587,14 +3634,44 @@
           <a:p>
             <a:pPr algn="l"/>
             <a:r>
-              <a:rPr lang="en-US"/>
+              <a:rPr lang="en-US" altLang="zh-CN"/>
               <a:t>1</a:t>
             </a:r>
             <a:r>
               <a:rPr lang="zh-CN" altLang="en-US"/>
-              <a:t>、状态保持</a:t>
-            </a:r>
-            <a:endParaRPr lang="zh-CN" altLang="en-US"/>
+              <a:t>、</a:t>
+            </a:r>
+            <a:r>
+              <a:rPr lang="zh-CN" altLang="en-US">
+                <a:sym typeface="+mn-ea"/>
+              </a:rPr>
+              <a:t>状态保持</a:t>
+            </a:r>
+            <a:r>
+              <a:rPr lang="en-US" altLang="zh-CN"/>
+              <a:t>      </a:t>
+            </a:r>
+            <a:endParaRPr lang="en-US" altLang="zh-CN"/>
+          </a:p>
+          <a:p>
+            <a:pPr algn="l"/>
+            <a:r>
+              <a:rPr lang="en-US" altLang="zh-CN"/>
+              <a:t>       </a:t>
+            </a:r>
+            <a:r>
+              <a:rPr lang="zh-CN" altLang="en-US"/>
+              <a:t>要保持的要素：滚动高度，当前页面元素，当前页面状态属性，如：当前页数，排序条件等。</a:t>
+            </a:r>
+            <a:endParaRPr lang="zh-CN" altLang="en-US"/>
+          </a:p>
+          <a:p>
+            <a:pPr algn="l"/>
+            <a:r>
+              <a:rPr lang="en-US" altLang="zh-CN"/>
+              <a:t> </a:t>
+            </a:r>
+            <a:endParaRPr lang="en-US" altLang="zh-CN"/>
           </a:p>
           <a:p>
             <a:pPr algn="l"/>
@@ -3604,256 +3681,38 @@
             </a:r>
             <a:r>
               <a:rPr lang="zh-CN" altLang="en-US"/>
-              <a:t>、加载速度</a:t>
-            </a:r>
-            <a:endParaRPr lang="zh-CN" altLang="en-US"/>
-          </a:p>
-          <a:p>
-            <a:pPr algn="l"/>
-            <a:endParaRPr lang="zh-CN" altLang="en-US"/>
-          </a:p>
-        </p:txBody>
-      </p:sp>
-    </p:spTree>
-  </p:cSld>
-  <p:clrMapOvr>
-    <a:masterClrMapping/>
-  </p:clrMapOvr>
-</p:sld>
-</file>
-
-<file path=ppt/slides/slide6.xml><?xml version="1.0" encoding="utf-8"?>
-<p:sld xmlns:a="http://schemas.openxmlformats.org/drawingml/2006/main" xmlns:r="http://schemas.openxmlformats.org/officeDocument/2006/relationships" xmlns:p="http://schemas.openxmlformats.org/presentationml/2006/main">
-  <p:cSld>
-    <p:spTree>
-      <p:nvGrpSpPr>
-        <p:cNvPr id="1" name=""/>
-        <p:cNvGrpSpPr/>
-        <p:nvPr/>
-      </p:nvGrpSpPr>
-      <p:grpSpPr/>
-      <p:sp>
-        <p:nvSpPr>
-          <p:cNvPr id="2" name="标题 1"/>
-          <p:cNvSpPr>
-            <a:spLocks noGrp="1"/>
-          </p:cNvSpPr>
-          <p:nvPr>
-            <p:ph type="ctrTitle"/>
-          </p:nvPr>
-        </p:nvSpPr>
-        <p:spPr>
-          <a:xfrm>
-            <a:off x="254000" y="182880"/>
-            <a:ext cx="9144000" cy="796925"/>
-          </a:xfrm>
-        </p:spPr>
-        <p:txBody>
-          <a:bodyPr>
-            <a:normAutofit/>
-          </a:bodyPr>
-          <a:p>
-            <a:pPr algn="l"/>
-            <a:r>
-              <a:rPr lang="zh-CN" altLang="en-US" sz="4000">
+              <a:t>、</a:t>
+            </a:r>
+            <a:r>
+              <a:rPr lang="zh-CN" altLang="en-US">
                 <a:sym typeface="+mn-ea"/>
               </a:rPr>
-              <a:t>状态保持解决方法</a:t>
-            </a:r>
-            <a:endParaRPr lang="zh-CN" altLang="en-US" sz="4000"/>
-          </a:p>
-        </p:txBody>
-      </p:sp>
-      <p:sp>
-        <p:nvSpPr>
-          <p:cNvPr id="3" name="副标题 2"/>
-          <p:cNvSpPr>
-            <a:spLocks noGrp="1"/>
-          </p:cNvSpPr>
-          <p:nvPr>
-            <p:ph type="subTitle" idx="1"/>
-          </p:nvPr>
-        </p:nvSpPr>
-        <p:spPr>
-          <a:xfrm>
-            <a:off x="328930" y="1063625"/>
-            <a:ext cx="11543030" cy="5471160"/>
-          </a:xfrm>
-        </p:spPr>
-        <p:txBody>
-          <a:bodyPr/>
+              <a:t>加载速度</a:t>
+            </a:r>
+            <a:endParaRPr lang="zh-CN" altLang="en-US">
+              <a:sym typeface="+mn-ea"/>
+            </a:endParaRPr>
+          </a:p>
           <a:p>
             <a:pPr algn="l"/>
-            <a:endParaRPr lang="zh-CN" altLang="en-US"/>
-          </a:p>
-          <a:p>
-            <a:pPr algn="l"/>
-            <a:endParaRPr lang="zh-CN" altLang="en-US"/>
-          </a:p>
-        </p:txBody>
-      </p:sp>
-    </p:spTree>
-  </p:cSld>
-  <p:clrMapOvr>
-    <a:masterClrMapping/>
-  </p:clrMapOvr>
-</p:sld>
-</file>
-
-<file path=ppt/slides/slide7.xml><?xml version="1.0" encoding="utf-8"?>
-<p:sld xmlns:a="http://schemas.openxmlformats.org/drawingml/2006/main" xmlns:r="http://schemas.openxmlformats.org/officeDocument/2006/relationships" xmlns:p="http://schemas.openxmlformats.org/presentationml/2006/main">
-  <p:cSld>
-    <p:spTree>
-      <p:nvGrpSpPr>
-        <p:cNvPr id="1" name=""/>
-        <p:cNvGrpSpPr/>
-        <p:nvPr/>
-      </p:nvGrpSpPr>
-      <p:grpSpPr/>
-      <p:sp>
-        <p:nvSpPr>
-          <p:cNvPr id="2" name="标题 1"/>
-          <p:cNvSpPr>
-            <a:spLocks noGrp="1"/>
-          </p:cNvSpPr>
-          <p:nvPr>
-            <p:ph type="ctrTitle"/>
-          </p:nvPr>
-        </p:nvSpPr>
-        <p:spPr>
-          <a:xfrm>
-            <a:off x="254000" y="182880"/>
-            <a:ext cx="9144000" cy="796925"/>
-          </a:xfrm>
-        </p:spPr>
-        <p:txBody>
-          <a:bodyPr>
-            <a:normAutofit/>
-          </a:bodyPr>
-          <a:p>
-            <a:pPr algn="l"/>
-            <a:r>
-              <a:rPr lang="zh-CN" altLang="en-US" sz="4000">
+            <a:r>
+              <a:rPr lang="en-US" altLang="zh-CN">
                 <a:sym typeface="+mn-ea"/>
               </a:rPr>
-              <a:t>加载速度解决方法</a:t>
-            </a:r>
-            <a:endParaRPr lang="zh-CN" altLang="en-US" sz="4000"/>
-          </a:p>
-        </p:txBody>
-      </p:sp>
-      <p:sp>
-        <p:nvSpPr>
-          <p:cNvPr id="3" name="副标题 2"/>
-          <p:cNvSpPr>
-            <a:spLocks noGrp="1"/>
-          </p:cNvSpPr>
-          <p:nvPr>
-            <p:ph type="subTitle" idx="1"/>
-          </p:nvPr>
-        </p:nvSpPr>
-        <p:spPr>
-          <a:xfrm>
-            <a:off x="328930" y="1063625"/>
-            <a:ext cx="11543030" cy="5471160"/>
-          </a:xfrm>
-        </p:spPr>
-        <p:txBody>
-          <a:bodyPr/>
+              <a:t>        </a:t>
+            </a:r>
+            <a:r>
+              <a:rPr lang="zh-CN" altLang="en-US">
+                <a:sym typeface="+mn-ea"/>
+              </a:rPr>
+              <a:t>优化首页加载速度，把首页的样式和模板单独摘出来，其他页面元素按需加载。</a:t>
+            </a:r>
+            <a:endParaRPr lang="zh-CN" altLang="en-US">
+              <a:sym typeface="+mn-ea"/>
+            </a:endParaRPr>
+          </a:p>
           <a:p>
             <a:pPr algn="l"/>
-            <a:endParaRPr lang="zh-CN" altLang="en-US"/>
-          </a:p>
-          <a:p>
-            <a:pPr algn="l"/>
-            <a:endParaRPr lang="zh-CN" altLang="en-US"/>
-          </a:p>
-        </p:txBody>
-      </p:sp>
-    </p:spTree>
-  </p:cSld>
-  <p:clrMapOvr>
-    <a:masterClrMapping/>
-  </p:clrMapOvr>
-</p:sld>
-</file>
-
-<file path=ppt/slides/slide8.xml><?xml version="1.0" encoding="utf-8"?>
-<p:sld xmlns:a="http://schemas.openxmlformats.org/drawingml/2006/main" xmlns:r="http://schemas.openxmlformats.org/officeDocument/2006/relationships" xmlns:p="http://schemas.openxmlformats.org/presentationml/2006/main">
-  <p:cSld>
-    <p:spTree>
-      <p:nvGrpSpPr>
-        <p:cNvPr id="1" name=""/>
-        <p:cNvGrpSpPr/>
-        <p:nvPr/>
-      </p:nvGrpSpPr>
-      <p:grpSpPr/>
-      <p:sp>
-        <p:nvSpPr>
-          <p:cNvPr id="2" name="标题 1"/>
-          <p:cNvSpPr>
-            <a:spLocks noGrp="1"/>
-          </p:cNvSpPr>
-          <p:nvPr>
-            <p:ph type="ctrTitle"/>
-          </p:nvPr>
-        </p:nvSpPr>
-        <p:spPr>
-          <a:xfrm>
-            <a:off x="254000" y="182880"/>
-            <a:ext cx="9144000" cy="796925"/>
-          </a:xfrm>
-        </p:spPr>
-        <p:txBody>
-          <a:bodyPr>
-            <a:normAutofit/>
-          </a:bodyPr>
-          <a:p>
-            <a:pPr algn="l"/>
-            <a:r>
-              <a:rPr lang="zh-CN" altLang="en-US" sz="4000"/>
-              <a:t>你们当前架构中有问题么？</a:t>
-            </a:r>
-            <a:endParaRPr lang="zh-CN" altLang="en-US" sz="4000"/>
-          </a:p>
-        </p:txBody>
-      </p:sp>
-      <p:sp>
-        <p:nvSpPr>
-          <p:cNvPr id="3" name="副标题 2"/>
-          <p:cNvSpPr>
-            <a:spLocks noGrp="1"/>
-          </p:cNvSpPr>
-          <p:nvPr>
-            <p:ph type="subTitle" idx="1"/>
-          </p:nvPr>
-        </p:nvSpPr>
-        <p:spPr>
-          <a:xfrm>
-            <a:off x="328930" y="1063625"/>
-            <a:ext cx="11543030" cy="5471160"/>
-          </a:xfrm>
-        </p:spPr>
-        <p:txBody>
-          <a:bodyPr/>
-          <a:p>
-            <a:pPr algn="l"/>
-            <a:endParaRPr lang="zh-CN" altLang="en-US"/>
-          </a:p>
-          <a:p>
-            <a:pPr algn="l"/>
-            <a:r>
-              <a:rPr lang="zh-CN" altLang="en-US"/>
-              <a:t>比如：</a:t>
-            </a:r>
-            <a:r>
-              <a:rPr lang="en-US" altLang="zh-CN"/>
-              <a:t>App</a:t>
-            </a:r>
-            <a:r>
-              <a:rPr lang="zh-CN" altLang="en-US"/>
-              <a:t>最致命的问题：热修复</a:t>
-            </a:r>
             <a:endParaRPr lang="zh-CN" altLang="en-US"/>
           </a:p>
         </p:txBody>
